--- a/CapPres/CapPresentation.pptx
+++ b/CapPres/CapPresentation.pptx
@@ -13792,13 +13792,13 @@
   <p:clrMapOvr>
     <a:masterClrMapping/>
   </p:clrMapOvr>
-  <mc:AlternateContent xmlns:mc="http://schemas.openxmlformats.org/markup-compatibility/2006">
-    <mc:Choice xmlns:p14="http://schemas.microsoft.com/office/powerpoint/2010/main" Requires="p14">
+  <mc:AlternateContent xmlns:mc="http://schemas.openxmlformats.org/markup-compatibility/2006" xmlns:p14="http://schemas.microsoft.com/office/powerpoint/2010/main">
+    <mc:Choice Requires="p14">
       <p:transition spd="med" p14:dur="700">
         <p:fade/>
       </p:transition>
     </mc:Choice>
-    <mc:Fallback>
+    <mc:Fallback xmlns="">
       <p:transition spd="med">
         <p:fade/>
       </p:transition>
@@ -13867,13 +13867,13 @@
   <p:clrMapOvr>
     <a:masterClrMapping/>
   </p:clrMapOvr>
-  <mc:AlternateContent xmlns:mc="http://schemas.openxmlformats.org/markup-compatibility/2006">
-    <mc:Choice xmlns:p14="http://schemas.microsoft.com/office/powerpoint/2010/main" Requires="p14">
+  <mc:AlternateContent xmlns:mc="http://schemas.openxmlformats.org/markup-compatibility/2006" xmlns:p14="http://schemas.microsoft.com/office/powerpoint/2010/main">
+    <mc:Choice Requires="p14">
       <p:transition spd="med" p14:dur="700">
         <p:fade/>
       </p:transition>
     </mc:Choice>
-    <mc:Fallback>
+    <mc:Fallback xmlns="">
       <p:transition spd="med">
         <p:fade/>
       </p:transition>
@@ -13942,13 +13942,13 @@
   <p:clrMapOvr>
     <a:masterClrMapping/>
   </p:clrMapOvr>
-  <mc:AlternateContent xmlns:mc="http://schemas.openxmlformats.org/markup-compatibility/2006">
-    <mc:Choice xmlns:p14="http://schemas.microsoft.com/office/powerpoint/2010/main" Requires="p14">
+  <mc:AlternateContent xmlns:mc="http://schemas.openxmlformats.org/markup-compatibility/2006" xmlns:p14="http://schemas.microsoft.com/office/powerpoint/2010/main">
+    <mc:Choice Requires="p14">
       <p:transition spd="med" p14:dur="700">
         <p:fade/>
       </p:transition>
     </mc:Choice>
-    <mc:Fallback>
+    <mc:Fallback xmlns="">
       <p:transition spd="med">
         <p:fade/>
       </p:transition>
@@ -14126,19 +14126,19 @@
           <a:p>
             <a:r>
               <a:rPr lang="en-US" dirty="0"/>
-              <a:t>I wanted to keep the data entry app as simple as possible, so I took a bare essentials approach.</a:t>
+              <a:t>Keep the data entry app as simple as possible, take a bare essentials approach.</a:t>
             </a:r>
           </a:p>
           <a:p>
             <a:r>
               <a:rPr lang="en-US" dirty="0"/>
-              <a:t>I used SelectFields to make all current options readily available.</a:t>
+              <a:t>Use SelectFields to make all current options readily available.</a:t>
             </a:r>
           </a:p>
           <a:p>
             <a:r>
               <a:rPr lang="en-US" dirty="0"/>
-              <a:t>I used an if statement to allow for no sales of a warranty in each week using an if statement, that way there would be no error whilst putting in weekly sales.</a:t>
+              <a:t>Use an if statement to allow for zero sales of a warranty during weekly sales input. Make it so the app will not get stuck or throw an error.</a:t>
             </a:r>
           </a:p>
         </p:txBody>
@@ -14511,13 +14511,13 @@
   <p:clrMapOvr>
     <a:masterClrMapping/>
   </p:clrMapOvr>
-  <mc:AlternateContent xmlns:mc="http://schemas.openxmlformats.org/markup-compatibility/2006">
-    <mc:Choice xmlns:p14="http://schemas.microsoft.com/office/powerpoint/2010/main" Requires="p14">
+  <mc:AlternateContent xmlns:mc="http://schemas.openxmlformats.org/markup-compatibility/2006" xmlns:p14="http://schemas.microsoft.com/office/powerpoint/2010/main">
+    <mc:Choice Requires="p14">
       <p:transition spd="med" p14:dur="700">
         <p:fade/>
       </p:transition>
     </mc:Choice>
-    <mc:Fallback>
+    <mc:Fallback xmlns="">
       <p:transition spd="med">
         <p:fade/>
       </p:transition>
@@ -14620,13 +14620,13 @@
           <a:p>
             <a:r>
               <a:rPr lang="en-US" dirty="0"/>
-              <a:t>I think that bar graphs were perfect for digesting this data.</a:t>
+              <a:t>Bar graphs were perfect for digesting this data.</a:t>
             </a:r>
           </a:p>
           <a:p>
             <a:r>
               <a:rPr lang="en-US" dirty="0"/>
-              <a:t>Looking at these graphs can show tons of correlations. Employee Performance, Regional Performance, and Brand Preference can all be gathered throughout.</a:t>
+              <a:t>These graphs show many correlations. Employee Performance, Regional Performance, and Brand Preference can be gathered throughout.</a:t>
             </a:r>
           </a:p>
           <a:p>
@@ -14650,19 +14650,19 @@
           <a:p>
             <a:r>
               <a:rPr lang="en-US" dirty="0"/>
-              <a:t>I found that EMP256 &amp; EMP 290 struggled to be consistently productive.</a:t>
+              <a:t>EMP256 &amp; EMP290 struggled to be consistently productive.</a:t>
             </a:r>
           </a:p>
           <a:p>
             <a:r>
               <a:rPr lang="en-US" dirty="0"/>
-              <a:t>Our sales are much stronger from the beginning to the middle of the year as the weather becomes warmer.</a:t>
+              <a:t>Sales are much stronger from the beginning to the middle of the year as the weather becomes warmer.</a:t>
             </a:r>
           </a:p>
           <a:p>
             <a:r>
               <a:rPr lang="en-US" dirty="0"/>
-              <a:t>There is a strong demand for John Deere products among our customers.</a:t>
+              <a:t>There is a strong demand for John Deere products among customers.</a:t>
             </a:r>
           </a:p>
         </p:txBody>
@@ -14742,13 +14742,13 @@
   <p:clrMapOvr>
     <a:masterClrMapping/>
   </p:clrMapOvr>
-  <mc:AlternateContent xmlns:mc="http://schemas.openxmlformats.org/markup-compatibility/2006">
-    <mc:Choice xmlns:p14="http://schemas.microsoft.com/office/powerpoint/2010/main" Requires="p14">
+  <mc:AlternateContent xmlns:mc="http://schemas.openxmlformats.org/markup-compatibility/2006" xmlns:p14="http://schemas.microsoft.com/office/powerpoint/2010/main">
+    <mc:Choice Requires="p14">
       <p:transition spd="med" p14:dur="700">
         <p:fade/>
       </p:transition>
     </mc:Choice>
-    <mc:Fallback>
+    <mc:Fallback xmlns="">
       <p:transition spd="med">
         <p:fade/>
       </p:transition>
@@ -14930,13 +14930,13 @@
   <p:clrMapOvr>
     <a:masterClrMapping/>
   </p:clrMapOvr>
-  <mc:AlternateContent xmlns:mc="http://schemas.openxmlformats.org/markup-compatibility/2006">
-    <mc:Choice xmlns:p14="http://schemas.microsoft.com/office/powerpoint/2010/main" Requires="p14">
+  <mc:AlternateContent xmlns:mc="http://schemas.openxmlformats.org/markup-compatibility/2006" xmlns:p14="http://schemas.microsoft.com/office/powerpoint/2010/main">
+    <mc:Choice Requires="p14">
       <p:transition spd="med" p14:dur="700">
         <p:fade/>
       </p:transition>
     </mc:Choice>
-    <mc:Fallback>
+    <mc:Fallback xmlns="">
       <p:transition spd="med">
         <p:fade/>
       </p:transition>
@@ -15005,13 +15005,13 @@
   <p:clrMapOvr>
     <a:masterClrMapping/>
   </p:clrMapOvr>
-  <mc:AlternateContent xmlns:mc="http://schemas.openxmlformats.org/markup-compatibility/2006">
-    <mc:Choice xmlns:p14="http://schemas.microsoft.com/office/powerpoint/2010/main" Requires="p14">
+  <mc:AlternateContent xmlns:mc="http://schemas.openxmlformats.org/markup-compatibility/2006" xmlns:p14="http://schemas.microsoft.com/office/powerpoint/2010/main">
+    <mc:Choice Requires="p14">
       <p:transition spd="med" p14:dur="700">
         <p:fade/>
       </p:transition>
     </mc:Choice>
-    <mc:Fallback>
+    <mc:Fallback xmlns="">
       <p:transition spd="med">
         <p:fade/>
       </p:transition>
@@ -15114,25 +15114,25 @@
           <a:p>
             <a:r>
               <a:rPr lang="en-US" dirty="0"/>
-              <a:t>I normalized the backed-up data using Power Query in Excel to create 5 core tables.</a:t>
+              <a:t>Normalized the backed-up data using Power Query in Excel to create 5 core tables.</a:t>
             </a:r>
           </a:p>
           <a:p>
             <a:r>
               <a:rPr lang="en-US" dirty="0"/>
-              <a:t>Using those 5 tables I created data breakdowns by region, category, employee, product, and warranty. By utilizing some SQL code, I was able to build the database up to 11 tables.</a:t>
+              <a:t>Using those 5 tables to create data breakdowns by region, category, employee, product, and warranty. Built an additional 6 tables by utilizing SQL code.</a:t>
             </a:r>
           </a:p>
           <a:p>
             <a:r>
               <a:rPr lang="en-US" dirty="0"/>
-              <a:t>I created a Star Schema (kind of a snowflake) to map out my EER Diagram.</a:t>
+              <a:t>Created a Star Schema to map out EER Diagram.</a:t>
             </a:r>
           </a:p>
           <a:p>
             <a:r>
               <a:rPr lang="en-US" dirty="0"/>
-              <a:t>Overall, I restored existing data into an active MySQL Workbench database and then aggregated it to produce analytical insights and visualizations.</a:t>
+              <a:t>Overall, restored existing data into an active MySQL Workbench database and then aggregated it to produce analytical insights and visualizations.</a:t>
             </a:r>
           </a:p>
           <a:p>
@@ -15213,13 +15213,13 @@
   <p:clrMapOvr>
     <a:masterClrMapping/>
   </p:clrMapOvr>
-  <mc:AlternateContent xmlns:mc="http://schemas.openxmlformats.org/markup-compatibility/2006">
-    <mc:Choice xmlns:p14="http://schemas.microsoft.com/office/powerpoint/2010/main" Requires="p14">
+  <mc:AlternateContent xmlns:mc="http://schemas.openxmlformats.org/markup-compatibility/2006" xmlns:p14="http://schemas.microsoft.com/office/powerpoint/2010/main">
+    <mc:Choice Requires="p14">
       <p:transition spd="med" p14:dur="700">
         <p:fade/>
       </p:transition>
     </mc:Choice>
-    <mc:Fallback>
+    <mc:Fallback xmlns="">
       <p:transition spd="med">
         <p:fade/>
       </p:transition>
@@ -16079,6 +16079,17 @@
 </file>
 
 <file path=customXml/item1.xml><?xml version="1.0" encoding="utf-8"?>
+<p:properties xmlns:p="http://schemas.microsoft.com/office/2006/metadata/properties" xmlns:xsi="http://www.w3.org/2001/XMLSchema-instance" xmlns:pc="http://schemas.microsoft.com/office/infopath/2007/PartnerControls">
+  <documentManagement>
+    <lcf76f155ced4ddcb4097134ff3c332f xmlns="d2a9f884-c2eb-4182-8d97-b2c1069a1e77">
+      <Terms xmlns="http://schemas.microsoft.com/office/infopath/2007/PartnerControls"/>
+    </lcf76f155ced4ddcb4097134ff3c332f>
+    <TaxCatchAll xmlns="872877ae-a410-445f-835b-653367d2e530" xsi:nil="true"/>
+  </documentManagement>
+</p:properties>
+</file>
+
+<file path=customXml/item2.xml><?xml version="1.0" encoding="utf-8"?>
 <ct:contentTypeSchema xmlns:ct="http://schemas.microsoft.com/office/2006/metadata/contentType" xmlns:ma="http://schemas.microsoft.com/office/2006/metadata/properties/metaAttributes" ct:_="" ma:_="" ma:contentTypeName="Document" ma:contentTypeID="0x010100FEF7458C51E57141848015B90E19E3FF" ma:contentTypeVersion="15" ma:contentTypeDescription="Create a new document." ma:contentTypeScope="" ma:versionID="12fb0db276e8be4984a0823ffe929ad1">
   <xsd:schema xmlns:xsd="http://www.w3.org/2001/XMLSchema" xmlns:xs="http://www.w3.org/2001/XMLSchema" xmlns:p="http://schemas.microsoft.com/office/2006/metadata/properties" xmlns:ns2="d2a9f884-c2eb-4182-8d97-b2c1069a1e77" xmlns:ns3="ad1dcd44-2c79-421e-996d-e07b6b6a06b7" xmlns:ns4="872877ae-a410-445f-835b-653367d2e530" targetNamespace="http://schemas.microsoft.com/office/2006/metadata/properties" ma:root="true" ma:fieldsID="7f400bb4bb80b6365717ab8834d3c4dc" ns2:_="" ns3:_="" ns4:_="">
     <xsd:import namespace="d2a9f884-c2eb-4182-8d97-b2c1069a1e77"/>
@@ -16314,17 +16325,6 @@
 </ct:contentTypeSchema>
 </file>
 
-<file path=customXml/item2.xml><?xml version="1.0" encoding="utf-8"?>
-<p:properties xmlns:p="http://schemas.microsoft.com/office/2006/metadata/properties" xmlns:xsi="http://www.w3.org/2001/XMLSchema-instance" xmlns:pc="http://schemas.microsoft.com/office/infopath/2007/PartnerControls">
-  <documentManagement>
-    <lcf76f155ced4ddcb4097134ff3c332f xmlns="d2a9f884-c2eb-4182-8d97-b2c1069a1e77">
-      <Terms xmlns="http://schemas.microsoft.com/office/infopath/2007/PartnerControls"/>
-    </lcf76f155ced4ddcb4097134ff3c332f>
-    <TaxCatchAll xmlns="872877ae-a410-445f-835b-653367d2e530" xsi:nil="true"/>
-  </documentManagement>
-</p:properties>
-</file>
-
 <file path=customXml/item3.xml><?xml version="1.0" encoding="utf-8"?>
 <?mso-contentType ?>
 <FormTemplates xmlns="http://schemas.microsoft.com/sharepoint/v3/contenttype/forms">
@@ -16335,6 +16335,24 @@
 </file>
 
 <file path=customXml/itemProps1.xml><?xml version="1.0" encoding="utf-8"?>
+<ds:datastoreItem xmlns:ds="http://schemas.openxmlformats.org/officeDocument/2006/customXml" ds:itemID="{E3F0252B-B6E9-4221-B01E-0247E154DC26}">
+  <ds:schemaRefs>
+    <ds:schemaRef ds:uri="http://purl.org/dc/elements/1.1/"/>
+    <ds:schemaRef ds:uri="http://schemas.openxmlformats.org/package/2006/metadata/core-properties"/>
+    <ds:schemaRef ds:uri="ad1dcd44-2c79-421e-996d-e07b6b6a06b7"/>
+    <ds:schemaRef ds:uri="872877ae-a410-445f-835b-653367d2e530"/>
+    <ds:schemaRef ds:uri="http://schemas.microsoft.com/office/infopath/2007/PartnerControls"/>
+    <ds:schemaRef ds:uri="http://purl.org/dc/terms/"/>
+    <ds:schemaRef ds:uri="http://schemas.microsoft.com/office/2006/metadata/properties"/>
+    <ds:schemaRef ds:uri="http://schemas.microsoft.com/office/2006/documentManagement/types"/>
+    <ds:schemaRef ds:uri="d2a9f884-c2eb-4182-8d97-b2c1069a1e77"/>
+    <ds:schemaRef ds:uri="http://www.w3.org/XML/1998/namespace"/>
+    <ds:schemaRef ds:uri="http://purl.org/dc/dcmitype/"/>
+  </ds:schemaRefs>
+</ds:datastoreItem>
+</file>
+
+<file path=customXml/itemProps2.xml><?xml version="1.0" encoding="utf-8"?>
 <ds:datastoreItem xmlns:ds="http://schemas.openxmlformats.org/officeDocument/2006/customXml" ds:itemID="{466406F6-04EA-49D7-891D-0329DF4DFC24}">
   <ds:schemaRefs>
     <ds:schemaRef ds:uri="http://schemas.microsoft.com/office/2006/metadata/contentType"/>
@@ -16354,24 +16372,6 @@
 </ds:datastoreItem>
 </file>
 
-<file path=customXml/itemProps2.xml><?xml version="1.0" encoding="utf-8"?>
-<ds:datastoreItem xmlns:ds="http://schemas.openxmlformats.org/officeDocument/2006/customXml" ds:itemID="{E3F0252B-B6E9-4221-B01E-0247E154DC26}">
-  <ds:schemaRefs>
-    <ds:schemaRef ds:uri="http://purl.org/dc/elements/1.1/"/>
-    <ds:schemaRef ds:uri="http://schemas.openxmlformats.org/package/2006/metadata/core-properties"/>
-    <ds:schemaRef ds:uri="ad1dcd44-2c79-421e-996d-e07b6b6a06b7"/>
-    <ds:schemaRef ds:uri="872877ae-a410-445f-835b-653367d2e530"/>
-    <ds:schemaRef ds:uri="http://schemas.microsoft.com/office/infopath/2007/PartnerControls"/>
-    <ds:schemaRef ds:uri="http://purl.org/dc/terms/"/>
-    <ds:schemaRef ds:uri="http://schemas.microsoft.com/office/2006/metadata/properties"/>
-    <ds:schemaRef ds:uri="http://schemas.microsoft.com/office/2006/documentManagement/types"/>
-    <ds:schemaRef ds:uri="d2a9f884-c2eb-4182-8d97-b2c1069a1e77"/>
-    <ds:schemaRef ds:uri="http://www.w3.org/XML/1998/namespace"/>
-    <ds:schemaRef ds:uri="http://purl.org/dc/dcmitype/"/>
-  </ds:schemaRefs>
-</ds:datastoreItem>
-</file>
-
 <file path=customXml/itemProps3.xml><?xml version="1.0" encoding="utf-8"?>
 <ds:datastoreItem xmlns:ds="http://schemas.openxmlformats.org/officeDocument/2006/customXml" ds:itemID="{F11117D9-2152-408D-8EA9-A138D8484626}">
   <ds:schemaRefs>
